--- a/Objected Oriented Programming Concepts Using C++ & Data Structures/Session-9.pptx
+++ b/Objected Oriented Programming Concepts Using C++ & Data Structures/Session-9.pptx
@@ -14,6 +14,7 @@
     <p:sldId id="309" r:id="rId9"/>
     <p:sldId id="310" r:id="rId10"/>
     <p:sldId id="313" r:id="rId11"/>
+    <p:sldId id="315" r:id="rId12"/>
   </p:sldIdLst>
   <p:sldSz cx="9144000" cy="6858000" type="screen4x3"/>
   <p:notesSz cx="6858000" cy="9144000"/>
@@ -4515,6 +4516,330 @@
 </p:sld>
 </file>
 
+<file path=ppt/slides/slide10.xml><?xml version="1.0" encoding="utf-8"?>
+<p:sld xmlns:a="http://schemas.openxmlformats.org/drawingml/2006/main" xmlns:r="http://schemas.openxmlformats.org/officeDocument/2006/relationships" xmlns:p="http://schemas.openxmlformats.org/presentationml/2006/main">
+  <p:cSld>
+    <p:spTree>
+      <p:nvGrpSpPr>
+        <p:cNvPr id="1" name=""/>
+        <p:cNvGrpSpPr/>
+        <p:nvPr/>
+      </p:nvGrpSpPr>
+      <p:grpSpPr>
+        <a:xfrm>
+          <a:off x="0" y="0"/>
+          <a:ext cx="0" cy="0"/>
+          <a:chOff x="0" y="0"/>
+          <a:chExt cx="0" cy="0"/>
+        </a:xfrm>
+      </p:grpSpPr>
+      <p:sp>
+        <p:nvSpPr>
+          <p:cNvPr id="2" name="Title 1"/>
+          <p:cNvSpPr>
+            <a:spLocks noGrp="1"/>
+          </p:cNvSpPr>
+          <p:nvPr>
+            <p:ph type="title"/>
+          </p:nvPr>
+        </p:nvSpPr>
+        <p:spPr>
+          <a:xfrm>
+            <a:off x="554355" y="287020"/>
+            <a:ext cx="7772400" cy="1143000"/>
+          </a:xfrm>
+        </p:spPr>
+        <p:txBody>
+          <a:bodyPr/>
+          <a:lstStyle/>
+          <a:p>
+            <a:r>
+              <a:rPr lang="en-US" sz="2800" dirty="0" smtClean="0">
+                <a:latin typeface="Noto Serif CJK JP" panose="02020400000000000000" charset="-122"/>
+                <a:ea typeface="Noto Serif CJK JP" panose="02020400000000000000" charset="-122"/>
+                <a:sym typeface="+mn-ea"/>
+              </a:rPr>
+              <a:t>Analysis</a:t>
+            </a:r>
+            <a:endParaRPr lang="en-US" sz="2800" dirty="0" smtClean="0">
+              <a:latin typeface="Noto Serif CJK JP" panose="02020400000000000000" charset="-122"/>
+              <a:ea typeface="Noto Serif CJK JP" panose="02020400000000000000" charset="-122"/>
+              <a:sym typeface="+mn-ea"/>
+            </a:endParaRPr>
+          </a:p>
+        </p:txBody>
+      </p:sp>
+      <p:sp>
+        <p:nvSpPr>
+          <p:cNvPr id="3" name="Content Placeholder 2"/>
+          <p:cNvSpPr>
+            <a:spLocks noGrp="1"/>
+          </p:cNvSpPr>
+          <p:nvPr>
+            <p:ph idx="1"/>
+          </p:nvPr>
+        </p:nvSpPr>
+        <p:spPr>
+          <a:xfrm>
+            <a:off x="685726" y="1524531"/>
+            <a:ext cx="7772400" cy="4832176"/>
+          </a:xfrm>
+        </p:spPr>
+        <p:txBody>
+          <a:bodyPr/>
+          <a:lstStyle/>
+          <a:p>
+            <a:pPr>
+              <a:lnSpc>
+                <a:spcPct val="150000"/>
+              </a:lnSpc>
+            </a:pPr>
+            <a:r>
+              <a:rPr sz="1800" dirty="0">
+                <a:latin typeface="Noto Serif CJK JP" panose="02020400000000000000" charset="-122"/>
+                <a:ea typeface="Noto Serif CJK JP" panose="02020400000000000000" charset="-122"/>
+              </a:rPr>
+              <a:t>Linear search runs in O(n) time.</a:t>
+            </a:r>
+            <a:endParaRPr sz="1800" dirty="0">
+              <a:latin typeface="Noto Serif CJK JP" panose="02020400000000000000" charset="-122"/>
+              <a:ea typeface="Noto Serif CJK JP" panose="02020400000000000000" charset="-122"/>
+            </a:endParaRPr>
+          </a:p>
+          <a:p>
+            <a:pPr>
+              <a:lnSpc>
+                <a:spcPct val="150000"/>
+              </a:lnSpc>
+            </a:pPr>
+            <a:r>
+              <a:rPr lang="en-US" sz="1800" dirty="0">
+                <a:latin typeface="Noto Serif CJK JP" panose="02020400000000000000" charset="-122"/>
+                <a:ea typeface="Noto Serif CJK JP" panose="02020400000000000000" charset="-122"/>
+              </a:rPr>
+              <a:t>B</a:t>
+            </a:r>
+            <a:r>
+              <a:rPr sz="1800" dirty="0">
+                <a:latin typeface="Noto Serif CJK JP" panose="02020400000000000000" charset="-122"/>
+                <a:ea typeface="Noto Serif CJK JP" panose="02020400000000000000" charset="-122"/>
+              </a:rPr>
+              <a:t>inary search produces the result in O(log n) time</a:t>
+            </a:r>
+            <a:endParaRPr sz="1800" dirty="0">
+              <a:latin typeface="Noto Serif CJK JP" panose="02020400000000000000" charset="-122"/>
+              <a:ea typeface="Noto Serif CJK JP" panose="02020400000000000000" charset="-122"/>
+            </a:endParaRPr>
+          </a:p>
+          <a:p>
+            <a:pPr marL="457200" lvl="1" indent="0">
+              <a:lnSpc>
+                <a:spcPct val="150000"/>
+              </a:lnSpc>
+              <a:buNone/>
+            </a:pPr>
+            <a:r>
+              <a:rPr sz="1575" dirty="0">
+                <a:latin typeface="Noto Serif CJK JP" panose="02020400000000000000" charset="-122"/>
+                <a:ea typeface="Noto Serif CJK JP" panose="02020400000000000000" charset="-122"/>
+              </a:rPr>
+              <a:t>Let T(n) be the number of comparisons in worst-case in an array of n elements.</a:t>
+            </a:r>
+            <a:endParaRPr sz="1575" dirty="0">
+              <a:latin typeface="Noto Serif CJK JP" panose="02020400000000000000" charset="-122"/>
+              <a:ea typeface="Noto Serif CJK JP" panose="02020400000000000000" charset="-122"/>
+            </a:endParaRPr>
+          </a:p>
+          <a:p>
+            <a:pPr marL="457200" lvl="1" indent="0">
+              <a:lnSpc>
+                <a:spcPct val="150000"/>
+              </a:lnSpc>
+              <a:buNone/>
+            </a:pPr>
+            <a:r>
+              <a:rPr sz="1575" dirty="0">
+                <a:latin typeface="Noto Serif CJK JP" panose="02020400000000000000" charset="-122"/>
+                <a:ea typeface="Noto Serif CJK JP" panose="02020400000000000000" charset="-122"/>
+              </a:rPr>
+              <a:t>Hence,</a:t>
+            </a:r>
+            <a:endParaRPr sz="1575" dirty="0">
+              <a:latin typeface="Noto Serif CJK JP" panose="02020400000000000000" charset="-122"/>
+              <a:ea typeface="Noto Serif CJK JP" panose="02020400000000000000" charset="-122"/>
+            </a:endParaRPr>
+          </a:p>
+          <a:p>
+            <a:pPr marL="457200" lvl="1" indent="0">
+              <a:lnSpc>
+                <a:spcPct val="150000"/>
+              </a:lnSpc>
+              <a:buNone/>
+            </a:pPr>
+            <a:r>
+              <a:rPr sz="1575" dirty="0">
+                <a:latin typeface="Noto Serif CJK JP" panose="02020400000000000000" charset="-122"/>
+                <a:ea typeface="Noto Serif CJK JP" panose="02020400000000000000" charset="-122"/>
+              </a:rPr>
+              <a:t>T(n)= </a:t>
+            </a:r>
+            <a:r>
+              <a:rPr lang="en-US" sz="1575" dirty="0">
+                <a:latin typeface="Noto Serif CJK JP" panose="02020400000000000000" charset="-122"/>
+                <a:ea typeface="Noto Serif CJK JP" panose="02020400000000000000" charset="-122"/>
+              </a:rPr>
+              <a:t>	</a:t>
+            </a:r>
+            <a:r>
+              <a:rPr sz="1575" dirty="0">
+                <a:latin typeface="Noto Serif CJK JP" panose="02020400000000000000" charset="-122"/>
+                <a:ea typeface="Noto Serif CJK JP" panose="02020400000000000000" charset="-122"/>
+              </a:rPr>
+              <a:t>0 </a:t>
+            </a:r>
+            <a:r>
+              <a:rPr lang="en-US" sz="1575" dirty="0">
+                <a:latin typeface="Noto Serif CJK JP" panose="02020400000000000000" charset="-122"/>
+                <a:ea typeface="Noto Serif CJK JP" panose="02020400000000000000" charset="-122"/>
+              </a:rPr>
+              <a:t>	</a:t>
+            </a:r>
+            <a:r>
+              <a:rPr sz="1575" dirty="0">
+                <a:latin typeface="Noto Serif CJK JP" panose="02020400000000000000" charset="-122"/>
+                <a:ea typeface="Noto Serif CJK JP" panose="02020400000000000000" charset="-122"/>
+                <a:sym typeface="+mn-ea"/>
+              </a:rPr>
+              <a:t>if n = 1</a:t>
+            </a:r>
+            <a:endParaRPr sz="1575" dirty="0">
+              <a:latin typeface="Noto Serif CJK JP" panose="02020400000000000000" charset="-122"/>
+              <a:ea typeface="Noto Serif CJK JP" panose="02020400000000000000" charset="-122"/>
+              <a:sym typeface="+mn-ea"/>
+            </a:endParaRPr>
+          </a:p>
+          <a:p>
+            <a:pPr marL="457200" lvl="1" indent="0">
+              <a:lnSpc>
+                <a:spcPct val="150000"/>
+              </a:lnSpc>
+              <a:buNone/>
+            </a:pPr>
+            <a:r>
+              <a:rPr lang="en-US" sz="1575" dirty="0">
+                <a:latin typeface="Noto Serif CJK JP" panose="02020400000000000000" charset="-122"/>
+                <a:ea typeface="Noto Serif CJK JP" panose="02020400000000000000" charset="-122"/>
+                <a:sym typeface="+mn-ea"/>
+              </a:rPr>
+              <a:t>		</a:t>
+            </a:r>
+            <a:r>
+              <a:rPr sz="1575" dirty="0">
+                <a:latin typeface="Noto Serif CJK JP" panose="02020400000000000000" charset="-122"/>
+                <a:ea typeface="Noto Serif CJK JP" panose="02020400000000000000" charset="-122"/>
+              </a:rPr>
+              <a:t>T(n</a:t>
+            </a:r>
+            <a:r>
+              <a:rPr lang="en-US" sz="1575" dirty="0">
+                <a:latin typeface="Noto Serif CJK JP" panose="02020400000000000000" charset="-122"/>
+                <a:ea typeface="Noto Serif CJK JP" panose="02020400000000000000" charset="-122"/>
+              </a:rPr>
+              <a:t>/</a:t>
+            </a:r>
+            <a:r>
+              <a:rPr sz="1575" dirty="0">
+                <a:latin typeface="Noto Serif CJK JP" panose="02020400000000000000" charset="-122"/>
+                <a:ea typeface="Noto Serif CJK JP" panose="02020400000000000000" charset="-122"/>
+              </a:rPr>
+              <a:t>2)+1</a:t>
+            </a:r>
+            <a:r>
+              <a:rPr lang="en-US" sz="1575" dirty="0">
+                <a:latin typeface="Noto Serif CJK JP" panose="02020400000000000000" charset="-122"/>
+                <a:ea typeface="Noto Serif CJK JP" panose="02020400000000000000" charset="-122"/>
+              </a:rPr>
+              <a:t>	</a:t>
+            </a:r>
+            <a:r>
+              <a:rPr sz="1575" dirty="0">
+                <a:latin typeface="Noto Serif CJK JP" panose="02020400000000000000" charset="-122"/>
+                <a:ea typeface="Noto Serif CJK JP" panose="02020400000000000000" charset="-122"/>
+              </a:rPr>
+              <a:t>otherwise</a:t>
+            </a:r>
+            <a:endParaRPr sz="1575" dirty="0">
+              <a:latin typeface="Noto Serif CJK JP" panose="02020400000000000000" charset="-122"/>
+              <a:ea typeface="Noto Serif CJK JP" panose="02020400000000000000" charset="-122"/>
+            </a:endParaRPr>
+          </a:p>
+          <a:p>
+            <a:pPr marL="457200" lvl="1" indent="0">
+              <a:lnSpc>
+                <a:spcPct val="150000"/>
+              </a:lnSpc>
+              <a:buNone/>
+            </a:pPr>
+            <a:r>
+              <a:rPr sz="1575" dirty="0">
+                <a:latin typeface="Noto Serif CJK JP" panose="02020400000000000000" charset="-122"/>
+                <a:ea typeface="Noto Serif CJK JP" panose="02020400000000000000" charset="-122"/>
+              </a:rPr>
+              <a:t>Using this recurrence relation T(n)=logn.</a:t>
+            </a:r>
+            <a:endParaRPr sz="1575" dirty="0">
+              <a:latin typeface="Noto Serif CJK JP" panose="02020400000000000000" charset="-122"/>
+              <a:ea typeface="Noto Serif CJK JP" panose="02020400000000000000" charset="-122"/>
+            </a:endParaRPr>
+          </a:p>
+          <a:p>
+            <a:pPr marL="457200" lvl="1" indent="0">
+              <a:lnSpc>
+                <a:spcPct val="150000"/>
+              </a:lnSpc>
+              <a:buNone/>
+            </a:pPr>
+            <a:endParaRPr sz="1575" dirty="0">
+              <a:latin typeface="Noto Serif CJK JP" panose="02020400000000000000" charset="-122"/>
+              <a:ea typeface="Noto Serif CJK JP" panose="02020400000000000000" charset="-122"/>
+            </a:endParaRPr>
+          </a:p>
+          <a:p>
+            <a:pPr marL="457200" lvl="1" indent="0">
+              <a:lnSpc>
+                <a:spcPct val="150000"/>
+              </a:lnSpc>
+              <a:buNone/>
+            </a:pPr>
+            <a:r>
+              <a:rPr sz="1575" dirty="0">
+                <a:latin typeface="Noto Serif CJK JP" panose="02020400000000000000" charset="-122"/>
+                <a:ea typeface="Noto Serif CJK JP" panose="02020400000000000000" charset="-122"/>
+              </a:rPr>
+              <a:t>Therefore, binary search uses O(logn) time.</a:t>
+            </a:r>
+            <a:endParaRPr sz="1575" dirty="0">
+              <a:latin typeface="Noto Serif CJK JP" panose="02020400000000000000" charset="-122"/>
+              <a:ea typeface="Noto Serif CJK JP" panose="02020400000000000000" charset="-122"/>
+            </a:endParaRPr>
+          </a:p>
+        </p:txBody>
+      </p:sp>
+    </p:spTree>
+  </p:cSld>
+  <p:clrMapOvr>
+    <a:masterClrMapping/>
+  </p:clrMapOvr>
+  <p:timing>
+    <p:tnLst>
+      <p:par>
+        <p:cTn id="1" dur="indefinite" restart="never" nodeType="tmRoot"/>
+      </p:par>
+    </p:tnLst>
+  </p:timing>
+</p:sld>
+</file>
+
 <file path=ppt/slides/slide2.xml><?xml version="1.0" encoding="utf-8"?>
 <p:sld xmlns:a="http://schemas.openxmlformats.org/drawingml/2006/main" xmlns:r="http://schemas.openxmlformats.org/officeDocument/2006/relationships" xmlns:p="http://schemas.openxmlformats.org/presentationml/2006/main">
   <p:cSld>
@@ -4617,7 +4942,7 @@
               <a:t> Analysis of  </a:t>
             </a:r>
             <a:r>
-              <a:rPr lang="" altLang="en-IN" sz="1800" dirty="0" smtClean="0">
+              <a:rPr lang="en-US" altLang="en-IN" sz="1800" dirty="0" smtClean="0">
                 <a:latin typeface="Noto Serif CJK JP" panose="02020400000000000000" charset="-122"/>
                 <a:ea typeface="Noto Serif CJK JP" panose="02020400000000000000" charset="-122"/>
               </a:rPr>
@@ -4709,14 +5034,14 @@
               <a:t>Sequential </a:t>
             </a:r>
             <a:r>
-              <a:rPr lang="" altLang="en-IN" sz="2800" dirty="0" smtClean="0">
+              <a:rPr lang="en-US" altLang="en-IN" sz="2800" dirty="0" smtClean="0">
                 <a:latin typeface="Noto Serif CJK JP" panose="02020400000000000000" charset="-122"/>
                 <a:ea typeface="Noto Serif CJK JP" panose="02020400000000000000" charset="-122"/>
                 <a:sym typeface="+mn-ea"/>
               </a:rPr>
               <a:t>Searching</a:t>
             </a:r>
-            <a:endParaRPr lang="" altLang="en-IN" sz="2800" dirty="0" smtClean="0">
+            <a:endParaRPr lang="en-US" altLang="en-IN" sz="2800" dirty="0" smtClean="0">
               <a:latin typeface="Noto Serif CJK JP" panose="02020400000000000000" charset="-122"/>
               <a:ea typeface="Noto Serif CJK JP" panose="02020400000000000000" charset="-122"/>
               <a:sym typeface="+mn-ea"/>
@@ -4750,7 +5075,7 @@
               </a:lnSpc>
             </a:pPr>
             <a:r>
-              <a:rPr lang="" altLang="en-IN" sz="1800" dirty="0" smtClean="0">
+              <a:rPr lang="en-US" altLang="en-IN" sz="1800" dirty="0" smtClean="0">
                 <a:latin typeface="Noto Serif CJK JP" panose="02020400000000000000" charset="-122"/>
                 <a:ea typeface="Noto Serif CJK JP" panose="02020400000000000000" charset="-122"/>
               </a:rPr>
@@ -5124,7 +5449,7 @@
           <a:lstStyle/>
           <a:p>
             <a:r>
-              <a:rPr lang="" altLang="en-US" sz="2800" dirty="0" smtClean="0">
+              <a:rPr lang="en-US" altLang="en-US" sz="2800" dirty="0" smtClean="0">
                 <a:latin typeface="Noto Serif CJK JP" panose="02020400000000000000" charset="-122"/>
                 <a:ea typeface="Noto Serif CJK JP" panose="02020400000000000000" charset="-122"/>
                 <a:sym typeface="+mn-ea"/>
@@ -5173,7 +5498,7 @@
               </a:lnSpc>
             </a:pPr>
             <a:r>
-              <a:rPr lang="" sz="1800" dirty="0">
+              <a:rPr lang="en-US" sz="1800" dirty="0">
                 <a:latin typeface="Noto Serif CJK JP" panose="02020400000000000000" charset="-122"/>
                 <a:ea typeface="Noto Serif CJK JP" panose="02020400000000000000" charset="-122"/>
               </a:rPr>
@@ -5198,7 +5523,7 @@
               </a:lnSpc>
             </a:pPr>
             <a:r>
-              <a:rPr lang="" sz="1800" dirty="0">
+              <a:rPr lang="en-US" sz="1800" dirty="0">
                 <a:latin typeface="Noto Serif CJK JP" panose="02020400000000000000" charset="-122"/>
                 <a:ea typeface="Noto Serif CJK JP" panose="02020400000000000000" charset="-122"/>
               </a:rPr>
@@ -6170,262 +6495,30 @@
           </a:p>
         </p:txBody>
       </p:sp>
-      <p:sp>
-        <p:nvSpPr>
-          <p:cNvPr id="3" name="Content Placeholder 2"/>
-          <p:cNvSpPr>
-            <a:spLocks noGrp="1"/>
-          </p:cNvSpPr>
-          <p:nvPr>
-            <p:ph idx="1"/>
-          </p:nvPr>
-        </p:nvSpPr>
+      <p:pic>
+        <p:nvPicPr>
+          <p:cNvPr id="5" name="Picture 4" descr="binary-and-linear-search-animations"/>
+          <p:cNvPicPr>
+            <a:picLocks noChangeAspect="1"/>
+          </p:cNvPicPr>
+          <p:nvPr/>
+        </p:nvPicPr>
+        <p:blipFill>
+          <a:blip r:embed="rId1"/>
+          <a:stretch>
+            <a:fillRect/>
+          </a:stretch>
+        </p:blipFill>
         <p:spPr>
           <a:xfrm>
-            <a:off x="685726" y="1524531"/>
-            <a:ext cx="7772400" cy="4832176"/>
+            <a:off x="930275" y="1689100"/>
+            <a:ext cx="7037070" cy="4691380"/>
           </a:xfrm>
+          <a:prstGeom prst="rect">
+            <a:avLst/>
+          </a:prstGeom>
         </p:spPr>
-        <p:txBody>
-          <a:bodyPr/>
-          <a:lstStyle/>
-          <a:p>
-            <a:pPr>
-              <a:lnSpc>
-                <a:spcPct val="150000"/>
-              </a:lnSpc>
-            </a:pPr>
-            <a:r>
-              <a:rPr sz="1800" dirty="0">
-                <a:latin typeface="Noto Serif CJK JP" panose="02020400000000000000" charset="-122"/>
-                <a:ea typeface="Noto Serif CJK JP" panose="02020400000000000000" charset="-122"/>
-              </a:rPr>
-              <a:t>Linear search runs in O(n) time.</a:t>
-            </a:r>
-            <a:endParaRPr sz="1800" dirty="0">
-              <a:latin typeface="Noto Serif CJK JP" panose="02020400000000000000" charset="-122"/>
-              <a:ea typeface="Noto Serif CJK JP" panose="02020400000000000000" charset="-122"/>
-            </a:endParaRPr>
-          </a:p>
-          <a:p>
-            <a:pPr>
-              <a:lnSpc>
-                <a:spcPct val="150000"/>
-              </a:lnSpc>
-            </a:pPr>
-            <a:r>
-              <a:rPr lang="" sz="1800" dirty="0">
-                <a:latin typeface="Noto Serif CJK JP" panose="02020400000000000000" charset="-122"/>
-                <a:ea typeface="Noto Serif CJK JP" panose="02020400000000000000" charset="-122"/>
-              </a:rPr>
-              <a:t>B</a:t>
-            </a:r>
-            <a:r>
-              <a:rPr sz="1800" dirty="0">
-                <a:latin typeface="Noto Serif CJK JP" panose="02020400000000000000" charset="-122"/>
-                <a:ea typeface="Noto Serif CJK JP" panose="02020400000000000000" charset="-122"/>
-              </a:rPr>
-              <a:t>inary search produces the result in O(log n) time</a:t>
-            </a:r>
-            <a:endParaRPr sz="1800" dirty="0">
-              <a:latin typeface="Noto Serif CJK JP" panose="02020400000000000000" charset="-122"/>
-              <a:ea typeface="Noto Serif CJK JP" panose="02020400000000000000" charset="-122"/>
-            </a:endParaRPr>
-          </a:p>
-          <a:p>
-            <a:pPr marL="457200" lvl="1" indent="0">
-              <a:lnSpc>
-                <a:spcPct val="150000"/>
-              </a:lnSpc>
-              <a:buNone/>
-            </a:pPr>
-            <a:r>
-              <a:rPr sz="1575" dirty="0">
-                <a:latin typeface="Noto Serif CJK JP" panose="02020400000000000000" charset="-122"/>
-                <a:ea typeface="Noto Serif CJK JP" panose="02020400000000000000" charset="-122"/>
-              </a:rPr>
-              <a:t>Let T(n) be the number of comparisons in worst-case in an array of n elements.</a:t>
-            </a:r>
-            <a:endParaRPr sz="1575" dirty="0">
-              <a:latin typeface="Noto Serif CJK JP" panose="02020400000000000000" charset="-122"/>
-              <a:ea typeface="Noto Serif CJK JP" panose="02020400000000000000" charset="-122"/>
-            </a:endParaRPr>
-          </a:p>
-          <a:p>
-            <a:pPr marL="457200" lvl="1" indent="0">
-              <a:lnSpc>
-                <a:spcPct val="150000"/>
-              </a:lnSpc>
-              <a:buNone/>
-            </a:pPr>
-            <a:r>
-              <a:rPr sz="1575" dirty="0">
-                <a:latin typeface="Noto Serif CJK JP" panose="02020400000000000000" charset="-122"/>
-                <a:ea typeface="Noto Serif CJK JP" panose="02020400000000000000" charset="-122"/>
-              </a:rPr>
-              <a:t>Hence,</a:t>
-            </a:r>
-            <a:endParaRPr sz="1575" dirty="0">
-              <a:latin typeface="Noto Serif CJK JP" panose="02020400000000000000" charset="-122"/>
-              <a:ea typeface="Noto Serif CJK JP" panose="02020400000000000000" charset="-122"/>
-            </a:endParaRPr>
-          </a:p>
-          <a:p>
-            <a:pPr marL="457200" lvl="1" indent="0">
-              <a:lnSpc>
-                <a:spcPct val="150000"/>
-              </a:lnSpc>
-              <a:buNone/>
-            </a:pPr>
-            <a:r>
-              <a:rPr sz="1575" dirty="0">
-                <a:latin typeface="Noto Serif CJK JP" panose="02020400000000000000" charset="-122"/>
-                <a:ea typeface="Noto Serif CJK JP" panose="02020400000000000000" charset="-122"/>
-              </a:rPr>
-              <a:t>T(n)= </a:t>
-            </a:r>
-            <a:r>
-              <a:rPr lang="" sz="1575" dirty="0">
-                <a:latin typeface="Noto Serif CJK JP" panose="02020400000000000000" charset="-122"/>
-                <a:ea typeface="Noto Serif CJK JP" panose="02020400000000000000" charset="-122"/>
-              </a:rPr>
-              <a:t>	</a:t>
-            </a:r>
-            <a:r>
-              <a:rPr sz="1575" dirty="0">
-                <a:latin typeface="Noto Serif CJK JP" panose="02020400000000000000" charset="-122"/>
-                <a:ea typeface="Noto Serif CJK JP" panose="02020400000000000000" charset="-122"/>
-              </a:rPr>
-              <a:t>0 </a:t>
-            </a:r>
-            <a:r>
-              <a:rPr lang="" sz="1575" dirty="0">
-                <a:latin typeface="Noto Serif CJK JP" panose="02020400000000000000" charset="-122"/>
-                <a:ea typeface="Noto Serif CJK JP" panose="02020400000000000000" charset="-122"/>
-              </a:rPr>
-              <a:t>	</a:t>
-            </a:r>
-            <a:r>
-              <a:rPr sz="1575" dirty="0">
-                <a:latin typeface="Noto Serif CJK JP" panose="02020400000000000000" charset="-122"/>
-                <a:ea typeface="Noto Serif CJK JP" panose="02020400000000000000" charset="-122"/>
-                <a:sym typeface="+mn-ea"/>
-              </a:rPr>
-              <a:t>if n = 1</a:t>
-            </a:r>
-            <a:endParaRPr sz="1575" dirty="0">
-              <a:latin typeface="Noto Serif CJK JP" panose="02020400000000000000" charset="-122"/>
-              <a:ea typeface="Noto Serif CJK JP" panose="02020400000000000000" charset="-122"/>
-              <a:sym typeface="+mn-ea"/>
-            </a:endParaRPr>
-          </a:p>
-          <a:p>
-            <a:pPr marL="457200" lvl="1" indent="0">
-              <a:lnSpc>
-                <a:spcPct val="150000"/>
-              </a:lnSpc>
-              <a:buNone/>
-            </a:pPr>
-            <a:r>
-              <a:rPr lang="" sz="1575" dirty="0">
-                <a:latin typeface="Noto Serif CJK JP" panose="02020400000000000000" charset="-122"/>
-                <a:ea typeface="Noto Serif CJK JP" panose="02020400000000000000" charset="-122"/>
-                <a:sym typeface="+mn-ea"/>
-              </a:rPr>
-              <a:t>		</a:t>
-            </a:r>
-            <a:r>
-              <a:rPr sz="1575" dirty="0">
-                <a:latin typeface="Noto Serif CJK JP" panose="02020400000000000000" charset="-122"/>
-                <a:ea typeface="Noto Serif CJK JP" panose="02020400000000000000" charset="-122"/>
-              </a:rPr>
-              <a:t>T(n</a:t>
-            </a:r>
-            <a:r>
-              <a:rPr lang="" sz="1575" dirty="0">
-                <a:latin typeface="Noto Serif CJK JP" panose="02020400000000000000" charset="-122"/>
-                <a:ea typeface="Noto Serif CJK JP" panose="02020400000000000000" charset="-122"/>
-              </a:rPr>
-              <a:t>/</a:t>
-            </a:r>
-            <a:r>
-              <a:rPr sz="1575" dirty="0">
-                <a:latin typeface="Noto Serif CJK JP" panose="02020400000000000000" charset="-122"/>
-                <a:ea typeface="Noto Serif CJK JP" panose="02020400000000000000" charset="-122"/>
-              </a:rPr>
-              <a:t>2)+1</a:t>
-            </a:r>
-            <a:r>
-              <a:rPr lang="" sz="1575" dirty="0">
-                <a:latin typeface="Noto Serif CJK JP" panose="02020400000000000000" charset="-122"/>
-                <a:ea typeface="Noto Serif CJK JP" panose="02020400000000000000" charset="-122"/>
-              </a:rPr>
-              <a:t>	</a:t>
-            </a:r>
-            <a:r>
-              <a:rPr sz="1575" dirty="0">
-                <a:latin typeface="Noto Serif CJK JP" panose="02020400000000000000" charset="-122"/>
-                <a:ea typeface="Noto Serif CJK JP" panose="02020400000000000000" charset="-122"/>
-              </a:rPr>
-              <a:t>otherwise</a:t>
-            </a:r>
-            <a:endParaRPr sz="1575" dirty="0">
-              <a:latin typeface="Noto Serif CJK JP" panose="02020400000000000000" charset="-122"/>
-              <a:ea typeface="Noto Serif CJK JP" panose="02020400000000000000" charset="-122"/>
-            </a:endParaRPr>
-          </a:p>
-          <a:p>
-            <a:pPr marL="457200" lvl="1" indent="0">
-              <a:lnSpc>
-                <a:spcPct val="150000"/>
-              </a:lnSpc>
-              <a:buNone/>
-            </a:pPr>
-            <a:r>
-              <a:rPr sz="1575" dirty="0">
-                <a:latin typeface="Noto Serif CJK JP" panose="02020400000000000000" charset="-122"/>
-                <a:ea typeface="Noto Serif CJK JP" panose="02020400000000000000" charset="-122"/>
-              </a:rPr>
-              <a:t>Using this recurrence relation T(n)=logn.</a:t>
-            </a:r>
-            <a:endParaRPr sz="1575" dirty="0">
-              <a:latin typeface="Noto Serif CJK JP" panose="02020400000000000000" charset="-122"/>
-              <a:ea typeface="Noto Serif CJK JP" panose="02020400000000000000" charset="-122"/>
-            </a:endParaRPr>
-          </a:p>
-          <a:p>
-            <a:pPr marL="457200" lvl="1" indent="0">
-              <a:lnSpc>
-                <a:spcPct val="150000"/>
-              </a:lnSpc>
-              <a:buNone/>
-            </a:pPr>
-            <a:endParaRPr sz="1575" dirty="0">
-              <a:latin typeface="Noto Serif CJK JP" panose="02020400000000000000" charset="-122"/>
-              <a:ea typeface="Noto Serif CJK JP" panose="02020400000000000000" charset="-122"/>
-            </a:endParaRPr>
-          </a:p>
-          <a:p>
-            <a:pPr marL="457200" lvl="1" indent="0">
-              <a:lnSpc>
-                <a:spcPct val="150000"/>
-              </a:lnSpc>
-              <a:buNone/>
-            </a:pPr>
-            <a:r>
-              <a:rPr sz="1575" dirty="0">
-                <a:latin typeface="Noto Serif CJK JP" panose="02020400000000000000" charset="-122"/>
-                <a:ea typeface="Noto Serif CJK JP" panose="02020400000000000000" charset="-122"/>
-              </a:rPr>
-              <a:t>Therefore, binary search uses O(logn) time.</a:t>
-            </a:r>
-            <a:endParaRPr sz="1575" dirty="0">
-              <a:latin typeface="Noto Serif CJK JP" panose="02020400000000000000" charset="-122"/>
-              <a:ea typeface="Noto Serif CJK JP" panose="02020400000000000000" charset="-122"/>
-            </a:endParaRPr>
-          </a:p>
-        </p:txBody>
-      </p:sp>
+      </p:pic>
     </p:spTree>
   </p:cSld>
   <p:clrMapOvr>
